--- a/subpages/teaching/expdes/lectures/deprecated/week3.pptx
+++ b/subpages/teaching/expdes/lectures/deprecated/week3.pptx
@@ -5,10 +5,10 @@
     <p:sldMasterId id="2147483648" r:id="rId1"/>
   </p:sldMasterIdLst>
   <p:notesMasterIdLst>
-    <p:notesMasterId r:id="rId26"/>
+    <p:notesMasterId r:id="rId27"/>
   </p:notesMasterIdLst>
   <p:handoutMasterIdLst>
-    <p:handoutMasterId r:id="rId27"/>
+    <p:handoutMasterId r:id="rId28"/>
   </p:handoutMasterIdLst>
   <p:sldIdLst>
     <p:sldId id="256" r:id="rId2"/>
@@ -21,20 +21,21 @@
     <p:sldId id="294" r:id="rId9"/>
     <p:sldId id="295" r:id="rId10"/>
     <p:sldId id="286" r:id="rId11"/>
-    <p:sldId id="287" r:id="rId12"/>
-    <p:sldId id="299" r:id="rId13"/>
-    <p:sldId id="288" r:id="rId14"/>
-    <p:sldId id="304" r:id="rId15"/>
-    <p:sldId id="305" r:id="rId16"/>
-    <p:sldId id="306" r:id="rId17"/>
-    <p:sldId id="307" r:id="rId18"/>
-    <p:sldId id="347" r:id="rId19"/>
-    <p:sldId id="289" r:id="rId20"/>
-    <p:sldId id="308" r:id="rId21"/>
-    <p:sldId id="336" r:id="rId22"/>
-    <p:sldId id="337" r:id="rId23"/>
-    <p:sldId id="309" r:id="rId24"/>
-    <p:sldId id="292" r:id="rId25"/>
+    <p:sldId id="348" r:id="rId12"/>
+    <p:sldId id="287" r:id="rId13"/>
+    <p:sldId id="299" r:id="rId14"/>
+    <p:sldId id="288" r:id="rId15"/>
+    <p:sldId id="304" r:id="rId16"/>
+    <p:sldId id="305" r:id="rId17"/>
+    <p:sldId id="306" r:id="rId18"/>
+    <p:sldId id="307" r:id="rId19"/>
+    <p:sldId id="347" r:id="rId20"/>
+    <p:sldId id="289" r:id="rId21"/>
+    <p:sldId id="308" r:id="rId22"/>
+    <p:sldId id="336" r:id="rId23"/>
+    <p:sldId id="337" r:id="rId24"/>
+    <p:sldId id="309" r:id="rId25"/>
+    <p:sldId id="292" r:id="rId26"/>
   </p:sldIdLst>
   <p:sldSz cx="12192000" cy="6858000"/>
   <p:notesSz cx="6858000" cy="9144000"/>
@@ -238,7 +239,7 @@
           <a:p>
             <a:fld id="{FFF75CBB-A44A-9C4B-A8C6-25A992E0242E}" type="datetimeFigureOut">
               <a:rPr lang="en-US" smtClean="0"/>
-              <a:t>9/4/24</a:t>
+              <a:t>9/11/25</a:t>
             </a:fld>
             <a:endParaRPr lang="en-US"/>
           </a:p>
@@ -415,7 +416,7 @@
           <a:p>
             <a:fld id="{4F19B4D1-0A28-FA4A-9134-5F79B138F3AC}" type="datetimeFigureOut">
               <a:rPr lang="en-US" smtClean="0"/>
-              <a:t>9/4/24</a:t>
+              <a:t>9/10/25</a:t>
             </a:fld>
             <a:endParaRPr lang="en-US"/>
           </a:p>
@@ -811,7 +812,7 @@
           <a:p>
             <a:fld id="{2B908699-CE29-634D-83B5-1061B2BD35A6}" type="datetimeFigureOut">
               <a:rPr lang="en-US" smtClean="0"/>
-              <a:t>9/4/24</a:t>
+              <a:t>9/10/25</a:t>
             </a:fld>
             <a:endParaRPr lang="en-US" dirty="0"/>
           </a:p>
@@ -979,7 +980,7 @@
           <a:p>
             <a:fld id="{2B908699-CE29-634D-83B5-1061B2BD35A6}" type="datetimeFigureOut">
               <a:rPr lang="en-US" smtClean="0"/>
-              <a:t>9/4/24</a:t>
+              <a:t>9/10/25</a:t>
             </a:fld>
             <a:endParaRPr lang="en-US" dirty="0"/>
           </a:p>
@@ -1157,7 +1158,7 @@
           <a:p>
             <a:fld id="{2B908699-CE29-634D-83B5-1061B2BD35A6}" type="datetimeFigureOut">
               <a:rPr lang="en-US" smtClean="0"/>
-              <a:t>9/4/24</a:t>
+              <a:t>9/10/25</a:t>
             </a:fld>
             <a:endParaRPr lang="en-US" dirty="0"/>
           </a:p>
@@ -1325,7 +1326,7 @@
           <a:p>
             <a:fld id="{2B908699-CE29-634D-83B5-1061B2BD35A6}" type="datetimeFigureOut">
               <a:rPr lang="en-US" smtClean="0"/>
-              <a:t>9/4/24</a:t>
+              <a:t>9/10/25</a:t>
             </a:fld>
             <a:endParaRPr lang="en-US" dirty="0"/>
           </a:p>
@@ -1570,7 +1571,7 @@
           <a:p>
             <a:fld id="{2B908699-CE29-634D-83B5-1061B2BD35A6}" type="datetimeFigureOut">
               <a:rPr lang="en-US" smtClean="0"/>
-              <a:t>9/4/24</a:t>
+              <a:t>9/10/25</a:t>
             </a:fld>
             <a:endParaRPr lang="en-US" dirty="0"/>
           </a:p>
@@ -1799,7 +1800,7 @@
           <a:p>
             <a:fld id="{2B908699-CE29-634D-83B5-1061B2BD35A6}" type="datetimeFigureOut">
               <a:rPr lang="en-US" smtClean="0"/>
-              <a:t>9/4/24</a:t>
+              <a:t>9/10/25</a:t>
             </a:fld>
             <a:endParaRPr lang="en-US" dirty="0"/>
           </a:p>
@@ -2163,7 +2164,7 @@
           <a:p>
             <a:fld id="{2B908699-CE29-634D-83B5-1061B2BD35A6}" type="datetimeFigureOut">
               <a:rPr lang="en-US" smtClean="0"/>
-              <a:t>9/4/24</a:t>
+              <a:t>9/10/25</a:t>
             </a:fld>
             <a:endParaRPr lang="en-US" dirty="0"/>
           </a:p>
@@ -2280,7 +2281,7 @@
           <a:p>
             <a:fld id="{2B908699-CE29-634D-83B5-1061B2BD35A6}" type="datetimeFigureOut">
               <a:rPr lang="en-US" smtClean="0"/>
-              <a:t>9/4/24</a:t>
+              <a:t>9/10/25</a:t>
             </a:fld>
             <a:endParaRPr lang="en-US" dirty="0"/>
           </a:p>
@@ -2375,7 +2376,7 @@
           <a:p>
             <a:fld id="{2B908699-CE29-634D-83B5-1061B2BD35A6}" type="datetimeFigureOut">
               <a:rPr lang="en-US" smtClean="0"/>
-              <a:t>9/4/24</a:t>
+              <a:t>9/10/25</a:t>
             </a:fld>
             <a:endParaRPr lang="en-US" dirty="0"/>
           </a:p>
@@ -2650,7 +2651,7 @@
           <a:p>
             <a:fld id="{2B908699-CE29-634D-83B5-1061B2BD35A6}" type="datetimeFigureOut">
               <a:rPr lang="en-US" smtClean="0"/>
-              <a:t>9/4/24</a:t>
+              <a:t>9/10/25</a:t>
             </a:fld>
             <a:endParaRPr lang="en-US" dirty="0"/>
           </a:p>
@@ -2902,7 +2903,7 @@
           <a:p>
             <a:fld id="{2B908699-CE29-634D-83B5-1061B2BD35A6}" type="datetimeFigureOut">
               <a:rPr lang="en-US" smtClean="0"/>
-              <a:t>9/4/24</a:t>
+              <a:t>9/10/25</a:t>
             </a:fld>
             <a:endParaRPr lang="en-US" dirty="0"/>
           </a:p>
@@ -3113,7 +3114,7 @@
           <a:p>
             <a:fld id="{2B908699-CE29-634D-83B5-1061B2BD35A6}" type="datetimeFigureOut">
               <a:rPr lang="en-US" smtClean="0"/>
-              <a:t>9/4/24</a:t>
+              <a:t>9/10/25</a:t>
             </a:fld>
             <a:endParaRPr lang="en-US" dirty="0"/>
           </a:p>
@@ -3727,7 +3728,7 @@
                   <a:schemeClr val="bg1"/>
                 </a:solidFill>
               </a:rPr>
-              <a:t>Central limit theorem</a:t>
+              <a:t>LIVE CODING</a:t>
             </a:r>
           </a:p>
         </p:txBody>
@@ -3759,7 +3760,7 @@
             </a:pPr>
             <a:r>
               <a:rPr lang="en-US" sz="2800" dirty="0"/>
-              <a:t>Imagine that we sample from the same population many times, so we have a bunch of different, independent samples. </a:t>
+              <a:t>Scientific studies show that actively coding and completing computer tasks in an environment with intermittent assistance and individual practice far exceeds any other method of instruction.</a:t>
             </a:r>
           </a:p>
           <a:p>
@@ -3776,7 +3777,17 @@
             </a:pPr>
             <a:r>
               <a:rPr lang="en-US" sz="2800" dirty="0"/>
-              <a:t>Each sample will have a mean, but the means will be different due to chance.  In principle, we could draw a histogram of these means.</a:t>
+              <a:t>I need to have a plan for a project that we are going to do (like testing the central limit theorem).</a:t>
+            </a:r>
+          </a:p>
+          <a:p>
+            <a:pPr marL="457200" indent="-457200" fontAlgn="base">
+              <a:buFont typeface="Arial" charset="0"/>
+              <a:buChar char="•"/>
+            </a:pPr>
+            <a:r>
+              <a:rPr lang="en-US" sz="2800" dirty="0"/>
+              <a:t>I need to make sure to break the task into 5-10 minute chunks of work.</a:t>
             </a:r>
           </a:p>
           <a:p>
@@ -3793,7 +3804,17 @@
             </a:pPr>
             <a:r>
               <a:rPr lang="en-US" sz="2800" dirty="0"/>
-              <a:t>In general, you only have one sample from a given population, however, so what can you infer about the distribution of the means from your sample?</a:t>
+              <a:t>You need to put green stickies and red stickies up as appropriate.</a:t>
+            </a:r>
+          </a:p>
+          <a:p>
+            <a:pPr marL="457200" indent="-457200" fontAlgn="base">
+              <a:buFont typeface="Arial" charset="0"/>
+              <a:buChar char="•"/>
+            </a:pPr>
+            <a:r>
+              <a:rPr lang="en-US" sz="2800" dirty="0"/>
+              <a:t>You need to put that red sticky up anytime it should be</a:t>
             </a:r>
           </a:p>
           <a:p>
@@ -3804,12 +3825,500 @@
             <a:endParaRPr lang="en-US" sz="2800" dirty="0"/>
           </a:p>
           <a:p>
+            <a:pPr marL="914400" lvl="1" indent="-457200" fontAlgn="base">
+              <a:buFont typeface="Arial" charset="0"/>
+              <a:buChar char="•"/>
+            </a:pPr>
+            <a:endParaRPr lang="en-US" sz="2800" dirty="0"/>
+          </a:p>
+        </p:txBody>
+      </p:sp>
+      <p:sp>
+        <p:nvSpPr>
+          <p:cNvPr id="3" name="TextBox 2">
+            <a:extLst>
+              <a:ext uri="{FF2B5EF4-FFF2-40B4-BE49-F238E27FC236}">
+                <a16:creationId xmlns:a16="http://schemas.microsoft.com/office/drawing/2014/main" id="{B06969B5-7323-70E0-1356-936FEE49228F}"/>
+              </a:ext>
+            </a:extLst>
+          </p:cNvPr>
+          <p:cNvSpPr txBox="1"/>
+          <p:nvPr/>
+        </p:nvSpPr>
+        <p:spPr>
+          <a:xfrm>
+            <a:off x="473181" y="5927836"/>
+            <a:ext cx="11057747" cy="646331"/>
+          </a:xfrm>
+          <a:prstGeom prst="rect">
+            <a:avLst/>
+          </a:prstGeom>
+          <a:noFill/>
+        </p:spPr>
+        <p:txBody>
+          <a:bodyPr wrap="square" rtlCol="0">
+            <a:spAutoFit/>
+          </a:bodyPr>
+          <a:lstStyle/>
+          <a:p>
+            <a:pPr algn="ctr"/>
+            <a:r>
+              <a:rPr lang="en-US" i="1" dirty="0">
+                <a:latin typeface="Garamond" panose="02020404030301010803" pitchFamily="18" charset="0"/>
+              </a:rPr>
+              <a:t>I promise that if you do this by the end of the semester you will be much more comfortable with data analysis than you are today. I’m literally being paid to do this my only goal is for you to find this class useful and fun so that you will tell other people it is useful and they will take it to.</a:t>
+            </a:r>
+          </a:p>
+        </p:txBody>
+      </p:sp>
+    </p:spTree>
+    <p:extLst>
+      <p:ext uri="{BB962C8B-B14F-4D97-AF65-F5344CB8AC3E}">
+        <p14:creationId xmlns:p14="http://schemas.microsoft.com/office/powerpoint/2010/main" val="410169587"/>
+      </p:ext>
+    </p:extLst>
+  </p:cSld>
+  <p:clrMapOvr>
+    <a:masterClrMapping/>
+  </p:clrMapOvr>
+  <p:timing>
+    <p:tnLst>
+      <p:par>
+        <p:cTn id="1" dur="indefinite" restart="never" nodeType="tmRoot">
+          <p:childTnLst>
+            <p:seq concurrent="1" nextAc="seek">
+              <p:cTn id="2" dur="indefinite" nodeType="mainSeq">
+                <p:childTnLst>
+                  <p:par>
+                    <p:cTn id="3" fill="hold">
+                      <p:stCondLst>
+                        <p:cond delay="indefinite"/>
+                      </p:stCondLst>
+                      <p:childTnLst>
+                        <p:par>
+                          <p:cTn id="4" fill="hold">
+                            <p:stCondLst>
+                              <p:cond delay="0"/>
+                            </p:stCondLst>
+                            <p:childTnLst>
+                              <p:par>
+                                <p:cTn id="5" presetID="1" presetClass="entr" presetSubtype="0" fill="hold" nodeType="clickEffect">
+                                  <p:stCondLst>
+                                    <p:cond delay="0"/>
+                                  </p:stCondLst>
+                                  <p:childTnLst>
+                                    <p:set>
+                                      <p:cBhvr>
+                                        <p:cTn id="6" dur="1" fill="hold">
+                                          <p:stCondLst>
+                                            <p:cond delay="0"/>
+                                          </p:stCondLst>
+                                        </p:cTn>
+                                        <p:tgtEl>
+                                          <p:spTgt spid="6">
+                                            <p:txEl>
+                                              <p:pRg st="0" end="0"/>
+                                            </p:txEl>
+                                          </p:spTgt>
+                                        </p:tgtEl>
+                                        <p:attrNameLst>
+                                          <p:attrName>style.visibility</p:attrName>
+                                        </p:attrNameLst>
+                                      </p:cBhvr>
+                                      <p:to>
+                                        <p:strVal val="visible"/>
+                                      </p:to>
+                                    </p:set>
+                                  </p:childTnLst>
+                                </p:cTn>
+                              </p:par>
+                            </p:childTnLst>
+                          </p:cTn>
+                        </p:par>
+                      </p:childTnLst>
+                    </p:cTn>
+                  </p:par>
+                  <p:par>
+                    <p:cTn id="7" fill="hold">
+                      <p:stCondLst>
+                        <p:cond delay="indefinite"/>
+                      </p:stCondLst>
+                      <p:childTnLst>
+                        <p:par>
+                          <p:cTn id="8" fill="hold">
+                            <p:stCondLst>
+                              <p:cond delay="0"/>
+                            </p:stCondLst>
+                            <p:childTnLst>
+                              <p:par>
+                                <p:cTn id="9" presetID="1" presetClass="entr" presetSubtype="0" fill="hold" nodeType="clickEffect">
+                                  <p:stCondLst>
+                                    <p:cond delay="0"/>
+                                  </p:stCondLst>
+                                  <p:childTnLst>
+                                    <p:set>
+                                      <p:cBhvr>
+                                        <p:cTn id="10" dur="1" fill="hold">
+                                          <p:stCondLst>
+                                            <p:cond delay="0"/>
+                                          </p:stCondLst>
+                                        </p:cTn>
+                                        <p:tgtEl>
+                                          <p:spTgt spid="6">
+                                            <p:txEl>
+                                              <p:pRg st="2" end="2"/>
+                                            </p:txEl>
+                                          </p:spTgt>
+                                        </p:tgtEl>
+                                        <p:attrNameLst>
+                                          <p:attrName>style.visibility</p:attrName>
+                                        </p:attrNameLst>
+                                      </p:cBhvr>
+                                      <p:to>
+                                        <p:strVal val="visible"/>
+                                      </p:to>
+                                    </p:set>
+                                  </p:childTnLst>
+                                </p:cTn>
+                              </p:par>
+                            </p:childTnLst>
+                          </p:cTn>
+                        </p:par>
+                      </p:childTnLst>
+                    </p:cTn>
+                  </p:par>
+                  <p:par>
+                    <p:cTn id="11" fill="hold">
+                      <p:stCondLst>
+                        <p:cond delay="indefinite"/>
+                      </p:stCondLst>
+                      <p:childTnLst>
+                        <p:par>
+                          <p:cTn id="12" fill="hold">
+                            <p:stCondLst>
+                              <p:cond delay="0"/>
+                            </p:stCondLst>
+                            <p:childTnLst>
+                              <p:par>
+                                <p:cTn id="13" presetID="1" presetClass="entr" presetSubtype="0" fill="hold" nodeType="clickEffect">
+                                  <p:stCondLst>
+                                    <p:cond delay="0"/>
+                                  </p:stCondLst>
+                                  <p:childTnLst>
+                                    <p:set>
+                                      <p:cBhvr>
+                                        <p:cTn id="14" dur="1" fill="hold">
+                                          <p:stCondLst>
+                                            <p:cond delay="0"/>
+                                          </p:stCondLst>
+                                        </p:cTn>
+                                        <p:tgtEl>
+                                          <p:spTgt spid="6">
+                                            <p:txEl>
+                                              <p:pRg st="3" end="3"/>
+                                            </p:txEl>
+                                          </p:spTgt>
+                                        </p:tgtEl>
+                                        <p:attrNameLst>
+                                          <p:attrName>style.visibility</p:attrName>
+                                        </p:attrNameLst>
+                                      </p:cBhvr>
+                                      <p:to>
+                                        <p:strVal val="visible"/>
+                                      </p:to>
+                                    </p:set>
+                                  </p:childTnLst>
+                                </p:cTn>
+                              </p:par>
+                            </p:childTnLst>
+                          </p:cTn>
+                        </p:par>
+                      </p:childTnLst>
+                    </p:cTn>
+                  </p:par>
+                  <p:par>
+                    <p:cTn id="15" fill="hold">
+                      <p:stCondLst>
+                        <p:cond delay="indefinite"/>
+                      </p:stCondLst>
+                      <p:childTnLst>
+                        <p:par>
+                          <p:cTn id="16" fill="hold">
+                            <p:stCondLst>
+                              <p:cond delay="0"/>
+                            </p:stCondLst>
+                            <p:childTnLst>
+                              <p:par>
+                                <p:cTn id="17" presetID="1" presetClass="entr" presetSubtype="0" fill="hold" nodeType="clickEffect">
+                                  <p:stCondLst>
+                                    <p:cond delay="0"/>
+                                  </p:stCondLst>
+                                  <p:childTnLst>
+                                    <p:set>
+                                      <p:cBhvr>
+                                        <p:cTn id="18" dur="1" fill="hold">
+                                          <p:stCondLst>
+                                            <p:cond delay="0"/>
+                                          </p:stCondLst>
+                                        </p:cTn>
+                                        <p:tgtEl>
+                                          <p:spTgt spid="6">
+                                            <p:txEl>
+                                              <p:pRg st="5" end="5"/>
+                                            </p:txEl>
+                                          </p:spTgt>
+                                        </p:tgtEl>
+                                        <p:attrNameLst>
+                                          <p:attrName>style.visibility</p:attrName>
+                                        </p:attrNameLst>
+                                      </p:cBhvr>
+                                      <p:to>
+                                        <p:strVal val="visible"/>
+                                      </p:to>
+                                    </p:set>
+                                  </p:childTnLst>
+                                </p:cTn>
+                              </p:par>
+                            </p:childTnLst>
+                          </p:cTn>
+                        </p:par>
+                      </p:childTnLst>
+                    </p:cTn>
+                  </p:par>
+                  <p:par>
+                    <p:cTn id="19" fill="hold">
+                      <p:stCondLst>
+                        <p:cond delay="indefinite"/>
+                      </p:stCondLst>
+                      <p:childTnLst>
+                        <p:par>
+                          <p:cTn id="20" fill="hold">
+                            <p:stCondLst>
+                              <p:cond delay="0"/>
+                            </p:stCondLst>
+                            <p:childTnLst>
+                              <p:par>
+                                <p:cTn id="21" presetID="1" presetClass="entr" presetSubtype="0" fill="hold" nodeType="clickEffect">
+                                  <p:stCondLst>
+                                    <p:cond delay="0"/>
+                                  </p:stCondLst>
+                                  <p:childTnLst>
+                                    <p:set>
+                                      <p:cBhvr>
+                                        <p:cTn id="22" dur="1" fill="hold">
+                                          <p:stCondLst>
+                                            <p:cond delay="0"/>
+                                          </p:stCondLst>
+                                        </p:cTn>
+                                        <p:tgtEl>
+                                          <p:spTgt spid="6">
+                                            <p:txEl>
+                                              <p:pRg st="6" end="6"/>
+                                            </p:txEl>
+                                          </p:spTgt>
+                                        </p:tgtEl>
+                                        <p:attrNameLst>
+                                          <p:attrName>style.visibility</p:attrName>
+                                        </p:attrNameLst>
+                                      </p:cBhvr>
+                                      <p:to>
+                                        <p:strVal val="visible"/>
+                                      </p:to>
+                                    </p:set>
+                                  </p:childTnLst>
+                                </p:cTn>
+                              </p:par>
+                            </p:childTnLst>
+                          </p:cTn>
+                        </p:par>
+                      </p:childTnLst>
+                    </p:cTn>
+                  </p:par>
+                </p:childTnLst>
+              </p:cTn>
+              <p:prevCondLst>
+                <p:cond evt="onPrev" delay="0">
+                  <p:tgtEl>
+                    <p:sldTgt/>
+                  </p:tgtEl>
+                </p:cond>
+              </p:prevCondLst>
+              <p:nextCondLst>
+                <p:cond evt="onNext" delay="0">
+                  <p:tgtEl>
+                    <p:sldTgt/>
+                  </p:tgtEl>
+                </p:cond>
+              </p:nextCondLst>
+            </p:seq>
+          </p:childTnLst>
+        </p:cTn>
+      </p:par>
+    </p:tnLst>
+  </p:timing>
+</p:sld>
+</file>
+
+<file path=ppt/slides/slide11.xml><?xml version="1.0" encoding="utf-8"?>
+<p:sld xmlns:a="http://schemas.openxmlformats.org/drawingml/2006/main" xmlns:r="http://schemas.openxmlformats.org/officeDocument/2006/relationships" xmlns:p="http://schemas.openxmlformats.org/presentationml/2006/main">
+  <p:cSld>
+    <p:bg>
+      <p:bgPr>
+        <a:solidFill>
+          <a:schemeClr val="bg1">
+            <a:lumMod val="95000"/>
+          </a:schemeClr>
+        </a:solidFill>
+        <a:effectLst/>
+      </p:bgPr>
+    </p:bg>
+    <p:spTree>
+      <p:nvGrpSpPr>
+        <p:cNvPr id="1" name="">
+          <a:extLst>
+            <a:ext uri="{FF2B5EF4-FFF2-40B4-BE49-F238E27FC236}">
+              <a16:creationId xmlns:a16="http://schemas.microsoft.com/office/drawing/2014/main" id="{264561B0-732C-AB01-D071-2BC44F295A3D}"/>
+            </a:ext>
+          </a:extLst>
+        </p:cNvPr>
+        <p:cNvGrpSpPr/>
+        <p:nvPr/>
+      </p:nvGrpSpPr>
+      <p:grpSpPr>
+        <a:xfrm>
+          <a:off x="0" y="0"/>
+          <a:ext cx="0" cy="0"/>
+          <a:chOff x="0" y="0"/>
+          <a:chExt cx="0" cy="0"/>
+        </a:xfrm>
+      </p:grpSpPr>
+      <p:sp>
+        <p:nvSpPr>
+          <p:cNvPr id="2" name="Title 1">
+            <a:extLst>
+              <a:ext uri="{FF2B5EF4-FFF2-40B4-BE49-F238E27FC236}">
+                <a16:creationId xmlns:a16="http://schemas.microsoft.com/office/drawing/2014/main" id="{2419644D-0859-DF9F-EF70-0E4FF1F911C0}"/>
+              </a:ext>
+            </a:extLst>
+          </p:cNvPr>
+          <p:cNvSpPr>
+            <a:spLocks noGrp="1"/>
+          </p:cNvSpPr>
+          <p:nvPr>
+            <p:ph type="title"/>
+          </p:nvPr>
+        </p:nvSpPr>
+        <p:spPr>
+          <a:xfrm>
+            <a:off x="0" y="0"/>
+            <a:ext cx="12192000" cy="935915"/>
+          </a:xfrm>
+          <a:solidFill>
+            <a:schemeClr val="tx1"/>
+          </a:solidFill>
+        </p:spPr>
+        <p:txBody>
+          <a:bodyPr>
+            <a:normAutofit/>
+          </a:bodyPr>
+          <a:lstStyle/>
+          <a:p>
+            <a:pPr algn="ctr"/>
+            <a:r>
+              <a:rPr lang="en-US" b="1" dirty="0">
+                <a:solidFill>
+                  <a:schemeClr val="bg1"/>
+                </a:solidFill>
+              </a:rPr>
+              <a:t>Central limit theorem</a:t>
+            </a:r>
+          </a:p>
+        </p:txBody>
+      </p:sp>
+      <p:sp>
+        <p:nvSpPr>
+          <p:cNvPr id="6" name="Rectangle 5">
+            <a:extLst>
+              <a:ext uri="{FF2B5EF4-FFF2-40B4-BE49-F238E27FC236}">
+                <a16:creationId xmlns:a16="http://schemas.microsoft.com/office/drawing/2014/main" id="{E54DCB2F-C7AE-18C2-740C-A29D04FFFC70}"/>
+              </a:ext>
+            </a:extLst>
+          </p:cNvPr>
+          <p:cNvSpPr/>
+          <p:nvPr/>
+        </p:nvSpPr>
+        <p:spPr>
+          <a:xfrm>
+            <a:off x="242170" y="1086291"/>
+            <a:ext cx="11519770" cy="5262979"/>
+          </a:xfrm>
+          <a:prstGeom prst="rect">
+            <a:avLst/>
+          </a:prstGeom>
+        </p:spPr>
+        <p:txBody>
+          <a:bodyPr wrap="square">
+            <a:spAutoFit/>
+          </a:bodyPr>
+          <a:lstStyle/>
+          <a:p>
             <a:pPr marL="457200" indent="-457200" fontAlgn="base">
               <a:buFont typeface="Arial" charset="0"/>
               <a:buChar char="•"/>
             </a:pPr>
             <a:r>
               <a:rPr lang="en-US" sz="2800" dirty="0"/>
+              <a:t>Imagine that we sample from the same population many times, so we have a bunch of different, independent samples. </a:t>
+            </a:r>
+          </a:p>
+          <a:p>
+            <a:pPr marL="457200" indent="-457200" fontAlgn="base">
+              <a:buFont typeface="Arial" charset="0"/>
+              <a:buChar char="•"/>
+            </a:pPr>
+            <a:endParaRPr lang="en-US" sz="2800" dirty="0"/>
+          </a:p>
+          <a:p>
+            <a:pPr marL="457200" indent="-457200" fontAlgn="base">
+              <a:buFont typeface="Arial" charset="0"/>
+              <a:buChar char="•"/>
+            </a:pPr>
+            <a:r>
+              <a:rPr lang="en-US" sz="2800" dirty="0"/>
+              <a:t>Each sample will have a mean, but the means will be different due to chance.  In principle, we could draw a histogram of these means.</a:t>
+            </a:r>
+          </a:p>
+          <a:p>
+            <a:pPr marL="457200" indent="-457200" fontAlgn="base">
+              <a:buFont typeface="Arial" charset="0"/>
+              <a:buChar char="•"/>
+            </a:pPr>
+            <a:endParaRPr lang="en-US" sz="2800" dirty="0"/>
+          </a:p>
+          <a:p>
+            <a:pPr marL="457200" indent="-457200" fontAlgn="base">
+              <a:buFont typeface="Arial" charset="0"/>
+              <a:buChar char="•"/>
+            </a:pPr>
+            <a:r>
+              <a:rPr lang="en-US" sz="2800" dirty="0"/>
+              <a:t>In general, you only have one sample from a given population, however, so what can you infer about the distribution of the means from your sample?</a:t>
+            </a:r>
+          </a:p>
+          <a:p>
+            <a:pPr marL="457200" indent="-457200" fontAlgn="base">
+              <a:buFont typeface="Arial" charset="0"/>
+              <a:buChar char="•"/>
+            </a:pPr>
+            <a:endParaRPr lang="en-US" sz="2800" dirty="0"/>
+          </a:p>
+          <a:p>
+            <a:pPr marL="457200" indent="-457200" fontAlgn="base">
+              <a:buFont typeface="Arial" charset="0"/>
+              <a:buChar char="•"/>
+            </a:pPr>
+            <a:r>
+              <a:rPr lang="en-US" sz="2800" dirty="0"/>
               <a:t>The Central Limit Theorem states that regardless of the underlying population distribution of the variable of interest, the distribution of the population of means will be roughly normal.</a:t>
             </a:r>
           </a:p>
@@ -3818,7 +4327,7 @@
     </p:spTree>
     <p:extLst>
       <p:ext uri="{BB962C8B-B14F-4D97-AF65-F5344CB8AC3E}">
-        <p14:creationId xmlns:p14="http://schemas.microsoft.com/office/powerpoint/2010/main" val="410169587"/>
+        <p14:creationId xmlns:p14="http://schemas.microsoft.com/office/powerpoint/2010/main" val="3290847216"/>
       </p:ext>
     </p:extLst>
   </p:cSld>
@@ -4054,7 +4563,7 @@
 </p:sld>
 </file>
 
-<file path=ppt/slides/slide11.xml><?xml version="1.0" encoding="utf-8"?>
+<file path=ppt/slides/slide12.xml><?xml version="1.0" encoding="utf-8"?>
 <p:sld xmlns:a="http://schemas.openxmlformats.org/drawingml/2006/main" xmlns:r="http://schemas.openxmlformats.org/officeDocument/2006/relationships" xmlns:p="http://schemas.openxmlformats.org/presentationml/2006/main">
   <p:cSld>
     <p:bg>
@@ -4629,7 +5138,7 @@
 </p:sld>
 </file>
 
-<file path=ppt/slides/slide12.xml><?xml version="1.0" encoding="utf-8"?>
+<file path=ppt/slides/slide13.xml><?xml version="1.0" encoding="utf-8"?>
 <p:sld xmlns:a="http://schemas.openxmlformats.org/drawingml/2006/main" xmlns:r="http://schemas.openxmlformats.org/officeDocument/2006/relationships" xmlns:p="http://schemas.openxmlformats.org/presentationml/2006/main">
   <p:cSld>
     <p:bg>
@@ -4768,7 +5277,7 @@
 </p:sld>
 </file>
 
-<file path=ppt/slides/slide13.xml><?xml version="1.0" encoding="utf-8"?>
+<file path=ppt/slides/slide14.xml><?xml version="1.0" encoding="utf-8"?>
 <p:sld xmlns:a="http://schemas.openxmlformats.org/drawingml/2006/main" xmlns:r="http://schemas.openxmlformats.org/officeDocument/2006/relationships" xmlns:p="http://schemas.openxmlformats.org/presentationml/2006/main">
   <p:cSld>
     <p:bg>
@@ -4875,7 +5384,7 @@
 </p:sld>
 </file>
 
-<file path=ppt/slides/slide14.xml><?xml version="1.0" encoding="utf-8"?>
+<file path=ppt/slides/slide15.xml><?xml version="1.0" encoding="utf-8"?>
 <p:sld xmlns:a="http://schemas.openxmlformats.org/drawingml/2006/main" xmlns:r="http://schemas.openxmlformats.org/officeDocument/2006/relationships" xmlns:p="http://schemas.openxmlformats.org/presentationml/2006/main">
   <p:cSld>
     <p:bg>
@@ -5107,7 +5616,7 @@
 </p:sld>
 </file>
 
-<file path=ppt/slides/slide15.xml><?xml version="1.0" encoding="utf-8"?>
+<file path=ppt/slides/slide16.xml><?xml version="1.0" encoding="utf-8"?>
 <p:sld xmlns:a="http://schemas.openxmlformats.org/drawingml/2006/main" xmlns:r="http://schemas.openxmlformats.org/officeDocument/2006/relationships" xmlns:p="http://schemas.openxmlformats.org/presentationml/2006/main">
   <p:cSld>
     <p:bg>
@@ -5671,7 +6180,7 @@
 </p:sld>
 </file>
 
-<file path=ppt/slides/slide16.xml><?xml version="1.0" encoding="utf-8"?>
+<file path=ppt/slides/slide17.xml><?xml version="1.0" encoding="utf-8"?>
 <p:sld xmlns:a="http://schemas.openxmlformats.org/drawingml/2006/main" xmlns:r="http://schemas.openxmlformats.org/officeDocument/2006/relationships" xmlns:p="http://schemas.openxmlformats.org/presentationml/2006/main">
   <p:cSld>
     <p:spTree>
@@ -6241,7 +6750,7 @@
 </p:sld>
 </file>
 
-<file path=ppt/slides/slide17.xml><?xml version="1.0" encoding="utf-8"?>
+<file path=ppt/slides/slide18.xml><?xml version="1.0" encoding="utf-8"?>
 <p:sld xmlns:a="http://schemas.openxmlformats.org/drawingml/2006/main" xmlns:r="http://schemas.openxmlformats.org/officeDocument/2006/relationships" xmlns:p="http://schemas.openxmlformats.org/presentationml/2006/main">
   <p:cSld>
     <p:spTree>
@@ -6586,7 +7095,7 @@
 </p:sld>
 </file>
 
-<file path=ppt/slides/slide18.xml><?xml version="1.0" encoding="utf-8"?>
+<file path=ppt/slides/slide19.xml><?xml version="1.0" encoding="utf-8"?>
 <p:sld xmlns:a="http://schemas.openxmlformats.org/drawingml/2006/main" xmlns:r="http://schemas.openxmlformats.org/officeDocument/2006/relationships" xmlns:p="http://schemas.openxmlformats.org/presentationml/2006/main">
   <p:cSld>
     <p:spTree>
@@ -7006,7 +7515,129 @@
 </p:sld>
 </file>
 
-<file path=ppt/slides/slide19.xml><?xml version="1.0" encoding="utf-8"?>
+<file path=ppt/slides/slide2.xml><?xml version="1.0" encoding="utf-8"?>
+<p:sld xmlns:a="http://schemas.openxmlformats.org/drawingml/2006/main" xmlns:r="http://schemas.openxmlformats.org/officeDocument/2006/relationships" xmlns:p="http://schemas.openxmlformats.org/presentationml/2006/main">
+  <p:cSld>
+    <p:spTree>
+      <p:nvGrpSpPr>
+        <p:cNvPr id="1" name=""/>
+        <p:cNvGrpSpPr/>
+        <p:nvPr/>
+      </p:nvGrpSpPr>
+      <p:grpSpPr>
+        <a:xfrm>
+          <a:off x="0" y="0"/>
+          <a:ext cx="0" cy="0"/>
+          <a:chOff x="0" y="0"/>
+          <a:chExt cx="0" cy="0"/>
+        </a:xfrm>
+      </p:grpSpPr>
+      <p:sp>
+        <p:nvSpPr>
+          <p:cNvPr id="2" name="Title 1"/>
+          <p:cNvSpPr>
+            <a:spLocks noGrp="1"/>
+          </p:cNvSpPr>
+          <p:nvPr>
+            <p:ph type="title"/>
+          </p:nvPr>
+        </p:nvSpPr>
+        <p:spPr>
+          <a:xfrm>
+            <a:off x="0" y="0"/>
+            <a:ext cx="12192000" cy="935915"/>
+          </a:xfrm>
+          <a:solidFill>
+            <a:schemeClr val="tx1"/>
+          </a:solidFill>
+        </p:spPr>
+        <p:txBody>
+          <a:bodyPr>
+            <a:normAutofit/>
+          </a:bodyPr>
+          <a:lstStyle/>
+          <a:p>
+            <a:pPr algn="ctr"/>
+            <a:r>
+              <a:rPr lang="en-US" b="1" dirty="0">
+                <a:solidFill>
+                  <a:schemeClr val="bg1"/>
+                </a:solidFill>
+              </a:rPr>
+              <a:t>Steps in making a great figure</a:t>
+            </a:r>
+          </a:p>
+        </p:txBody>
+      </p:sp>
+      <p:sp>
+        <p:nvSpPr>
+          <p:cNvPr id="3" name="TextBox 2">
+            <a:extLst>
+              <a:ext uri="{FF2B5EF4-FFF2-40B4-BE49-F238E27FC236}">
+                <a16:creationId xmlns:a16="http://schemas.microsoft.com/office/drawing/2014/main" id="{D38E59ED-791A-6D49-9A8A-856195DF3A10}"/>
+              </a:ext>
+            </a:extLst>
+          </p:cNvPr>
+          <p:cNvSpPr txBox="1"/>
+          <p:nvPr/>
+        </p:nvSpPr>
+        <p:spPr>
+          <a:xfrm>
+            <a:off x="215398" y="1326528"/>
+            <a:ext cx="5807268" cy="1938992"/>
+          </a:xfrm>
+          <a:prstGeom prst="rect">
+            <a:avLst/>
+          </a:prstGeom>
+          <a:noFill/>
+        </p:spPr>
+        <p:txBody>
+          <a:bodyPr wrap="square" rtlCol="0">
+            <a:spAutoFit/>
+          </a:bodyPr>
+          <a:lstStyle/>
+          <a:p>
+            <a:pPr marL="342900" indent="-342900">
+              <a:buAutoNum type="arabicParenR"/>
+            </a:pPr>
+            <a:r>
+              <a:rPr lang="en-US" sz="2000" dirty="0"/>
+              <a:t>Figure out the purpose of the figure. Usually you will have a sentence in the paper or a point you want to make in a talk.</a:t>
+            </a:r>
+          </a:p>
+          <a:p>
+            <a:pPr marL="342900" indent="-342900">
+              <a:buAutoNum type="arabicParenR"/>
+            </a:pPr>
+            <a:endParaRPr lang="en-US" sz="2000" dirty="0"/>
+          </a:p>
+          <a:p>
+            <a:pPr marL="342900" indent="-342900">
+              <a:buAutoNum type="arabicParenR"/>
+            </a:pPr>
+            <a:endParaRPr lang="en-US" sz="2000" dirty="0"/>
+          </a:p>
+          <a:p>
+            <a:endParaRPr lang="en-US" sz="2000" i="1" dirty="0">
+              <a:latin typeface="Garamond" panose="02020404030301010803" pitchFamily="18" charset="0"/>
+            </a:endParaRPr>
+          </a:p>
+        </p:txBody>
+      </p:sp>
+    </p:spTree>
+    <p:extLst>
+      <p:ext uri="{BB962C8B-B14F-4D97-AF65-F5344CB8AC3E}">
+        <p14:creationId xmlns:p14="http://schemas.microsoft.com/office/powerpoint/2010/main" val="326953035"/>
+      </p:ext>
+    </p:extLst>
+  </p:cSld>
+  <p:clrMapOvr>
+    <a:masterClrMapping/>
+  </p:clrMapOvr>
+</p:sld>
+</file>
+
+<file path=ppt/slides/slide20.xml><?xml version="1.0" encoding="utf-8"?>
 <p:sld xmlns:a="http://schemas.openxmlformats.org/drawingml/2006/main" xmlns:r="http://schemas.openxmlformats.org/officeDocument/2006/relationships" xmlns:p="http://schemas.openxmlformats.org/presentationml/2006/main">
   <p:cSld>
     <p:spTree>
@@ -7411,129 +8042,7 @@
 </p:sld>
 </file>
 
-<file path=ppt/slides/slide2.xml><?xml version="1.0" encoding="utf-8"?>
-<p:sld xmlns:a="http://schemas.openxmlformats.org/drawingml/2006/main" xmlns:r="http://schemas.openxmlformats.org/officeDocument/2006/relationships" xmlns:p="http://schemas.openxmlformats.org/presentationml/2006/main">
-  <p:cSld>
-    <p:spTree>
-      <p:nvGrpSpPr>
-        <p:cNvPr id="1" name=""/>
-        <p:cNvGrpSpPr/>
-        <p:nvPr/>
-      </p:nvGrpSpPr>
-      <p:grpSpPr>
-        <a:xfrm>
-          <a:off x="0" y="0"/>
-          <a:ext cx="0" cy="0"/>
-          <a:chOff x="0" y="0"/>
-          <a:chExt cx="0" cy="0"/>
-        </a:xfrm>
-      </p:grpSpPr>
-      <p:sp>
-        <p:nvSpPr>
-          <p:cNvPr id="2" name="Title 1"/>
-          <p:cNvSpPr>
-            <a:spLocks noGrp="1"/>
-          </p:cNvSpPr>
-          <p:nvPr>
-            <p:ph type="title"/>
-          </p:nvPr>
-        </p:nvSpPr>
-        <p:spPr>
-          <a:xfrm>
-            <a:off x="0" y="0"/>
-            <a:ext cx="12192000" cy="935915"/>
-          </a:xfrm>
-          <a:solidFill>
-            <a:schemeClr val="tx1"/>
-          </a:solidFill>
-        </p:spPr>
-        <p:txBody>
-          <a:bodyPr>
-            <a:normAutofit/>
-          </a:bodyPr>
-          <a:lstStyle/>
-          <a:p>
-            <a:pPr algn="ctr"/>
-            <a:r>
-              <a:rPr lang="en-US" b="1" dirty="0">
-                <a:solidFill>
-                  <a:schemeClr val="bg1"/>
-                </a:solidFill>
-              </a:rPr>
-              <a:t>Steps in making a great figure</a:t>
-            </a:r>
-          </a:p>
-        </p:txBody>
-      </p:sp>
-      <p:sp>
-        <p:nvSpPr>
-          <p:cNvPr id="3" name="TextBox 2">
-            <a:extLst>
-              <a:ext uri="{FF2B5EF4-FFF2-40B4-BE49-F238E27FC236}">
-                <a16:creationId xmlns:a16="http://schemas.microsoft.com/office/drawing/2014/main" id="{D38E59ED-791A-6D49-9A8A-856195DF3A10}"/>
-              </a:ext>
-            </a:extLst>
-          </p:cNvPr>
-          <p:cNvSpPr txBox="1"/>
-          <p:nvPr/>
-        </p:nvSpPr>
-        <p:spPr>
-          <a:xfrm>
-            <a:off x="215398" y="1326528"/>
-            <a:ext cx="5807268" cy="1938992"/>
-          </a:xfrm>
-          <a:prstGeom prst="rect">
-            <a:avLst/>
-          </a:prstGeom>
-          <a:noFill/>
-        </p:spPr>
-        <p:txBody>
-          <a:bodyPr wrap="square" rtlCol="0">
-            <a:spAutoFit/>
-          </a:bodyPr>
-          <a:lstStyle/>
-          <a:p>
-            <a:pPr marL="342900" indent="-342900">
-              <a:buAutoNum type="arabicParenR"/>
-            </a:pPr>
-            <a:r>
-              <a:rPr lang="en-US" sz="2000" dirty="0"/>
-              <a:t>Figure out the purpose of the figure. Usually you will have a sentence in the paper or a point you want to make in a talk.</a:t>
-            </a:r>
-          </a:p>
-          <a:p>
-            <a:pPr marL="342900" indent="-342900">
-              <a:buAutoNum type="arabicParenR"/>
-            </a:pPr>
-            <a:endParaRPr lang="en-US" sz="2000" dirty="0"/>
-          </a:p>
-          <a:p>
-            <a:pPr marL="342900" indent="-342900">
-              <a:buAutoNum type="arabicParenR"/>
-            </a:pPr>
-            <a:endParaRPr lang="en-US" sz="2000" dirty="0"/>
-          </a:p>
-          <a:p>
-            <a:endParaRPr lang="en-US" sz="2000" i="1" dirty="0">
-              <a:latin typeface="Garamond" panose="02020404030301010803" pitchFamily="18" charset="0"/>
-            </a:endParaRPr>
-          </a:p>
-        </p:txBody>
-      </p:sp>
-    </p:spTree>
-    <p:extLst>
-      <p:ext uri="{BB962C8B-B14F-4D97-AF65-F5344CB8AC3E}">
-        <p14:creationId xmlns:p14="http://schemas.microsoft.com/office/powerpoint/2010/main" val="326953035"/>
-      </p:ext>
-    </p:extLst>
-  </p:cSld>
-  <p:clrMapOvr>
-    <a:masterClrMapping/>
-  </p:clrMapOvr>
-</p:sld>
-</file>
-
-<file path=ppt/slides/slide20.xml><?xml version="1.0" encoding="utf-8"?>
+<file path=ppt/slides/slide21.xml><?xml version="1.0" encoding="utf-8"?>
 <p:sld xmlns:a="http://schemas.openxmlformats.org/drawingml/2006/main" xmlns:r="http://schemas.openxmlformats.org/officeDocument/2006/relationships" xmlns:p="http://schemas.openxmlformats.org/presentationml/2006/main">
   <p:cSld>
     <p:spTree>
@@ -7845,7 +8354,7 @@
 </p:sld>
 </file>
 
-<file path=ppt/slides/slide21.xml><?xml version="1.0" encoding="utf-8"?>
+<file path=ppt/slides/slide22.xml><?xml version="1.0" encoding="utf-8"?>
 <p:sld xmlns:a="http://schemas.openxmlformats.org/drawingml/2006/main" xmlns:r="http://schemas.openxmlformats.org/officeDocument/2006/relationships" xmlns:p="http://schemas.openxmlformats.org/presentationml/2006/main">
   <p:cSld>
     <p:spTree>
@@ -7941,7 +8450,7 @@
 </p:sld>
 </file>
 
-<file path=ppt/slides/slide22.xml><?xml version="1.0" encoding="utf-8"?>
+<file path=ppt/slides/slide23.xml><?xml version="1.0" encoding="utf-8"?>
 <p:sld xmlns:a="http://schemas.openxmlformats.org/drawingml/2006/main" xmlns:r="http://schemas.openxmlformats.org/officeDocument/2006/relationships" xmlns:p="http://schemas.openxmlformats.org/presentationml/2006/main">
   <p:cSld>
     <p:spTree>
@@ -8038,7 +8547,7 @@
 </p:sld>
 </file>
 
-<file path=ppt/slides/slide23.xml><?xml version="1.0" encoding="utf-8"?>
+<file path=ppt/slides/slide24.xml><?xml version="1.0" encoding="utf-8"?>
 <p:sld xmlns:a="http://schemas.openxmlformats.org/drawingml/2006/main" xmlns:r="http://schemas.openxmlformats.org/officeDocument/2006/relationships" xmlns:p="http://schemas.openxmlformats.org/presentationml/2006/main">
   <p:cSld>
     <p:spTree>
@@ -8503,7 +9012,7 @@
 </p:sld>
 </file>
 
-<file path=ppt/slides/slide24.xml><?xml version="1.0" encoding="utf-8"?>
+<file path=ppt/slides/slide25.xml><?xml version="1.0" encoding="utf-8"?>
 <p:sld xmlns:a="http://schemas.openxmlformats.org/drawingml/2006/main" xmlns:r="http://schemas.openxmlformats.org/officeDocument/2006/relationships" xmlns:p="http://schemas.openxmlformats.org/presentationml/2006/main">
   <p:cSld>
     <p:spTree>
